--- a/mpayments-help/mpayments-help-repo-rest/src/main/resources/template - Tehnologije.pptx
+++ b/mpayments-help/mpayments-help-repo-rest/src/main/resources/template - Tehnologije.pptx
@@ -5,10 +5,10 @@
     <p:sldMasterId id="2147483648" r:id="rId5"/>
   </p:sldMasterIdLst>
   <p:notesMasterIdLst>
-    <p:notesMasterId r:id="rId14"/>
+    <p:notesMasterId r:id="rId15"/>
   </p:notesMasterIdLst>
   <p:handoutMasterIdLst>
-    <p:handoutMasterId r:id="rId15"/>
+    <p:handoutMasterId r:id="rId16"/>
   </p:handoutMasterIdLst>
   <p:sldIdLst>
     <p:sldId id="256" r:id="rId6"/>
@@ -18,7 +18,8 @@
     <p:sldId id="259" r:id="rId10"/>
     <p:sldId id="261" r:id="rId11"/>
     <p:sldId id="262" r:id="rId12"/>
-    <p:sldId id="263" r:id="rId13"/>
+    <p:sldId id="265" r:id="rId13"/>
+    <p:sldId id="266" r:id="rId14"/>
   </p:sldIdLst>
   <p:sldSz cx="9144000" cy="6858000" type="screen4x3"/>
   <p:notesSz cx="6858000" cy="9144000"/>
@@ -202,7 +203,7 @@
           <a:p>
             <a:fld id="{C19F33C3-649F-4925-853D-6445BDAC527F}" type="datetimeFigureOut">
               <a:rPr lang="hr-HR" smtClean="0"/>
-              <a:t>30.5.2013.</a:t>
+              <a:t>31.5.2013.</a:t>
             </a:fld>
             <a:endParaRPr lang="hr-HR"/>
           </a:p>
@@ -367,7 +368,7 @@
           <a:p>
             <a:fld id="{3AD1804E-0AF2-4B76-B673-DC59B250FD17}" type="datetimeFigureOut">
               <a:rPr lang="hr-HR" smtClean="0"/>
-              <a:t>30.5.2013.</a:t>
+              <a:t>31.5.2013.</a:t>
             </a:fld>
             <a:endParaRPr lang="hr-HR"/>
           </a:p>
@@ -710,6 +711,471 @@
     <p:extLst>
       <p:ext uri="{BB962C8B-B14F-4D97-AF65-F5344CB8AC3E}">
         <p14:creationId xmlns:p14="http://schemas.microsoft.com/office/powerpoint/2010/main" val="1894715776"/>
+      </p:ext>
+    </p:extLst>
+  </p:cSld>
+  <p:clrMapOvr>
+    <a:masterClrMapping/>
+  </p:clrMapOvr>
+</p:notes>
+</file>
+
+<file path=ppt/notesSlides/notesSlide2.xml><?xml version="1.0" encoding="utf-8"?>
+<p:notes xmlns:a="http://schemas.openxmlformats.org/drawingml/2006/main" xmlns:r="http://schemas.openxmlformats.org/officeDocument/2006/relationships" xmlns:p="http://schemas.openxmlformats.org/presentationml/2006/main">
+  <p:cSld>
+    <p:spTree>
+      <p:nvGrpSpPr>
+        <p:cNvPr id="1" name=""/>
+        <p:cNvGrpSpPr/>
+        <p:nvPr/>
+      </p:nvGrpSpPr>
+      <p:grpSpPr>
+        <a:xfrm>
+          <a:off x="0" y="0"/>
+          <a:ext cx="0" cy="0"/>
+          <a:chOff x="0" y="0"/>
+          <a:chExt cx="0" cy="0"/>
+        </a:xfrm>
+      </p:grpSpPr>
+      <p:sp>
+        <p:nvSpPr>
+          <p:cNvPr id="2" name="Slide Image Placeholder 1"/>
+          <p:cNvSpPr>
+            <a:spLocks noGrp="1" noRot="1" noChangeAspect="1"/>
+          </p:cNvSpPr>
+          <p:nvPr>
+            <p:ph type="sldImg"/>
+          </p:nvPr>
+        </p:nvSpPr>
+        <p:spPr/>
+      </p:sp>
+      <p:sp>
+        <p:nvSpPr>
+          <p:cNvPr id="3" name="Notes Placeholder 2"/>
+          <p:cNvSpPr>
+            <a:spLocks noGrp="1"/>
+          </p:cNvSpPr>
+          <p:nvPr>
+            <p:ph type="body" idx="1"/>
+          </p:nvPr>
+        </p:nvSpPr>
+        <p:spPr/>
+        <p:txBody>
+          <a:bodyPr/>
+          <a:lstStyle/>
+          <a:p>
+            <a:r>
+              <a:rPr lang="en-US" sz="1200" b="0" i="0" kern="1200" dirty="0" smtClean="0">
+                <a:solidFill>
+                  <a:schemeClr val="tx1"/>
+                </a:solidFill>
+                <a:effectLst/>
+                <a:latin typeface="+mn-lt"/>
+                <a:ea typeface="+mn-ea"/>
+                <a:cs typeface="+mn-cs"/>
+              </a:rPr>
+              <a:t>An </a:t>
+            </a:r>
+            <a:r>
+              <a:rPr lang="en-US" sz="1200" b="0" i="0" u="none" strike="noStrike" kern="1200" dirty="0" smtClean="0">
+                <a:solidFill>
+                  <a:schemeClr val="tx1"/>
+                </a:solidFill>
+                <a:effectLst/>
+                <a:latin typeface="+mn-lt"/>
+                <a:ea typeface="+mn-ea"/>
+                <a:cs typeface="+mn-cs"/>
+              </a:rPr>
+              <a:t>application server</a:t>
+            </a:r>
+            <a:r>
+              <a:rPr lang="en-US" sz="1200" b="0" i="0" kern="1200" dirty="0" smtClean="0">
+                <a:solidFill>
+                  <a:schemeClr val="tx1"/>
+                </a:solidFill>
+                <a:effectLst/>
+                <a:latin typeface="+mn-lt"/>
+                <a:ea typeface="+mn-ea"/>
+                <a:cs typeface="+mn-cs"/>
+              </a:rPr>
+              <a:t> is a software framework that provides an environment in which applications can run, no matter what the applications are or what they do.</a:t>
+            </a:r>
+            <a:endParaRPr lang="hr-HR" dirty="0"/>
+          </a:p>
+        </p:txBody>
+      </p:sp>
+      <p:sp>
+        <p:nvSpPr>
+          <p:cNvPr id="4" name="Slide Number Placeholder 3"/>
+          <p:cNvSpPr>
+            <a:spLocks noGrp="1"/>
+          </p:cNvSpPr>
+          <p:nvPr>
+            <p:ph type="sldNum" sz="quarter" idx="10"/>
+          </p:nvPr>
+        </p:nvSpPr>
+        <p:spPr/>
+        <p:txBody>
+          <a:bodyPr/>
+          <a:lstStyle/>
+          <a:p>
+            <a:fld id="{1DA1A908-C954-476B-8322-3857564468F1}" type="slidenum">
+              <a:rPr lang="hr-HR" smtClean="0"/>
+              <a:t>5</a:t>
+            </a:fld>
+            <a:endParaRPr lang="hr-HR"/>
+          </a:p>
+        </p:txBody>
+      </p:sp>
+    </p:spTree>
+    <p:extLst>
+      <p:ext uri="{BB962C8B-B14F-4D97-AF65-F5344CB8AC3E}">
+        <p14:creationId xmlns:p14="http://schemas.microsoft.com/office/powerpoint/2010/main" val="1360410953"/>
+      </p:ext>
+    </p:extLst>
+  </p:cSld>
+  <p:clrMapOvr>
+    <a:masterClrMapping/>
+  </p:clrMapOvr>
+</p:notes>
+</file>
+
+<file path=ppt/notesSlides/notesSlide3.xml><?xml version="1.0" encoding="utf-8"?>
+<p:notes xmlns:a="http://schemas.openxmlformats.org/drawingml/2006/main" xmlns:r="http://schemas.openxmlformats.org/officeDocument/2006/relationships" xmlns:p="http://schemas.openxmlformats.org/presentationml/2006/main">
+  <p:cSld>
+    <p:spTree>
+      <p:nvGrpSpPr>
+        <p:cNvPr id="1" name=""/>
+        <p:cNvGrpSpPr/>
+        <p:nvPr/>
+      </p:nvGrpSpPr>
+      <p:grpSpPr>
+        <a:xfrm>
+          <a:off x="0" y="0"/>
+          <a:ext cx="0" cy="0"/>
+          <a:chOff x="0" y="0"/>
+          <a:chExt cx="0" cy="0"/>
+        </a:xfrm>
+      </p:grpSpPr>
+      <p:sp>
+        <p:nvSpPr>
+          <p:cNvPr id="2" name="Slide Image Placeholder 1"/>
+          <p:cNvSpPr>
+            <a:spLocks noGrp="1" noRot="1" noChangeAspect="1"/>
+          </p:cNvSpPr>
+          <p:nvPr>
+            <p:ph type="sldImg"/>
+          </p:nvPr>
+        </p:nvSpPr>
+        <p:spPr/>
+      </p:sp>
+      <p:sp>
+        <p:nvSpPr>
+          <p:cNvPr id="3" name="Notes Placeholder 2"/>
+          <p:cNvSpPr>
+            <a:spLocks noGrp="1"/>
+          </p:cNvSpPr>
+          <p:nvPr>
+            <p:ph type="body" idx="1"/>
+          </p:nvPr>
+        </p:nvSpPr>
+        <p:spPr/>
+        <p:txBody>
+          <a:bodyPr/>
+          <a:lstStyle/>
+          <a:p>
+            <a:r>
+              <a:rPr lang="hr-HR" dirty="0" smtClean="0"/>
+              <a:t>Ima</a:t>
+            </a:r>
+            <a:r>
+              <a:rPr lang="hr-HR" baseline="0" dirty="0" smtClean="0"/>
+              <a:t> API koji se koristi za kreiranje RESTful Web Servisa preko HTTP protokola</a:t>
+            </a:r>
+            <a:endParaRPr lang="hr-HR" dirty="0" smtClean="0">
+              <a:solidFill>
+                <a:schemeClr val="bg1">
+                  <a:lumMod val="50000"/>
+                </a:schemeClr>
+              </a:solidFill>
+            </a:endParaRPr>
+          </a:p>
+          <a:p>
+            <a:r>
+              <a:rPr lang="en-US" dirty="0" err="1" smtClean="0">
+                <a:solidFill>
+                  <a:schemeClr val="bg1">
+                    <a:lumMod val="50000"/>
+                  </a:schemeClr>
+                </a:solidFill>
+              </a:rPr>
+              <a:t>Sta</a:t>
+            </a:r>
+            <a:r>
+              <a:rPr lang="en-US" dirty="0" smtClean="0">
+                <a:solidFill>
+                  <a:schemeClr val="bg1">
+                    <a:lumMod val="50000"/>
+                  </a:schemeClr>
+                </a:solidFill>
+              </a:rPr>
+              <a:t> je restful?</a:t>
+            </a:r>
+            <a:endParaRPr lang="en-US" dirty="0" smtClean="0">
+              <a:solidFill>
+                <a:schemeClr val="bg1">
+                  <a:lumMod val="50000"/>
+                </a:schemeClr>
+              </a:solidFill>
+            </a:endParaRPr>
+          </a:p>
+          <a:p>
+            <a:endParaRPr lang="hr-HR" dirty="0"/>
+          </a:p>
+        </p:txBody>
+      </p:sp>
+      <p:sp>
+        <p:nvSpPr>
+          <p:cNvPr id="4" name="Slide Number Placeholder 3"/>
+          <p:cNvSpPr>
+            <a:spLocks noGrp="1"/>
+          </p:cNvSpPr>
+          <p:nvPr>
+            <p:ph type="sldNum" sz="quarter" idx="10"/>
+          </p:nvPr>
+        </p:nvSpPr>
+        <p:spPr/>
+        <p:txBody>
+          <a:bodyPr/>
+          <a:lstStyle/>
+          <a:p>
+            <a:fld id="{1DA1A908-C954-476B-8322-3857564468F1}" type="slidenum">
+              <a:rPr lang="hr-HR" smtClean="0"/>
+              <a:t>7</a:t>
+            </a:fld>
+            <a:endParaRPr lang="hr-HR"/>
+          </a:p>
+        </p:txBody>
+      </p:sp>
+    </p:spTree>
+    <p:extLst>
+      <p:ext uri="{BB962C8B-B14F-4D97-AF65-F5344CB8AC3E}">
+        <p14:creationId xmlns:p14="http://schemas.microsoft.com/office/powerpoint/2010/main" val="3083818893"/>
+      </p:ext>
+    </p:extLst>
+  </p:cSld>
+  <p:clrMapOvr>
+    <a:masterClrMapping/>
+  </p:clrMapOvr>
+</p:notes>
+</file>
+
+<file path=ppt/notesSlides/notesSlide4.xml><?xml version="1.0" encoding="utf-8"?>
+<p:notes xmlns:a="http://schemas.openxmlformats.org/drawingml/2006/main" xmlns:r="http://schemas.openxmlformats.org/officeDocument/2006/relationships" xmlns:p="http://schemas.openxmlformats.org/presentationml/2006/main">
+  <p:cSld>
+    <p:spTree>
+      <p:nvGrpSpPr>
+        <p:cNvPr id="1" name=""/>
+        <p:cNvGrpSpPr/>
+        <p:nvPr/>
+      </p:nvGrpSpPr>
+      <p:grpSpPr>
+        <a:xfrm>
+          <a:off x="0" y="0"/>
+          <a:ext cx="0" cy="0"/>
+          <a:chOff x="0" y="0"/>
+          <a:chExt cx="0" cy="0"/>
+        </a:xfrm>
+      </p:grpSpPr>
+      <p:sp>
+        <p:nvSpPr>
+          <p:cNvPr id="2" name="Slide Image Placeholder 1"/>
+          <p:cNvSpPr>
+            <a:spLocks noGrp="1" noRot="1" noChangeAspect="1"/>
+          </p:cNvSpPr>
+          <p:nvPr>
+            <p:ph type="sldImg"/>
+          </p:nvPr>
+        </p:nvSpPr>
+        <p:spPr/>
+      </p:sp>
+      <p:sp>
+        <p:nvSpPr>
+          <p:cNvPr id="3" name="Notes Placeholder 2"/>
+          <p:cNvSpPr>
+            <a:spLocks noGrp="1"/>
+          </p:cNvSpPr>
+          <p:nvPr>
+            <p:ph type="body" idx="1"/>
+          </p:nvPr>
+        </p:nvSpPr>
+        <p:spPr/>
+        <p:txBody>
+          <a:bodyPr/>
+          <a:lstStyle/>
+          <a:p>
+            <a:r>
+              <a:rPr lang="hr-HR" dirty="0" smtClean="0"/>
+              <a:t>(</a:t>
+            </a:r>
+            <a:r>
+              <a:rPr lang="en-US" dirty="0" smtClean="0"/>
+              <a:t>provides a Java API for </a:t>
+            </a:r>
+            <a:r>
+              <a:rPr lang="en-US" dirty="0" err="1" smtClean="0"/>
+              <a:t>RESTful</a:t>
+            </a:r>
+            <a:r>
+              <a:rPr lang="en-US" dirty="0" smtClean="0"/>
+              <a:t> Web Services over the HTTP protocol</a:t>
+            </a:r>
+            <a:r>
+              <a:rPr lang="hr-HR" dirty="0" smtClean="0"/>
+              <a:t>)</a:t>
+            </a:r>
+            <a:endParaRPr lang="hr-HR" dirty="0" smtClean="0">
+              <a:solidFill>
+                <a:schemeClr val="bg1">
+                  <a:lumMod val="50000"/>
+                </a:schemeClr>
+              </a:solidFill>
+            </a:endParaRPr>
+          </a:p>
+          <a:p>
+            <a:endParaRPr lang="en-US" dirty="0" smtClean="0">
+              <a:solidFill>
+                <a:schemeClr val="bg1">
+                  <a:lumMod val="50000"/>
+                </a:schemeClr>
+              </a:solidFill>
+            </a:endParaRPr>
+          </a:p>
+          <a:p>
+            <a:endParaRPr lang="hr-HR" dirty="0"/>
+          </a:p>
+        </p:txBody>
+      </p:sp>
+      <p:sp>
+        <p:nvSpPr>
+          <p:cNvPr id="4" name="Slide Number Placeholder 3"/>
+          <p:cNvSpPr>
+            <a:spLocks noGrp="1"/>
+          </p:cNvSpPr>
+          <p:nvPr>
+            <p:ph type="sldNum" sz="quarter" idx="10"/>
+          </p:nvPr>
+        </p:nvSpPr>
+        <p:spPr/>
+        <p:txBody>
+          <a:bodyPr/>
+          <a:lstStyle/>
+          <a:p>
+            <a:fld id="{1DA1A908-C954-476B-8322-3857564468F1}" type="slidenum">
+              <a:rPr lang="hr-HR" smtClean="0"/>
+              <a:t>8</a:t>
+            </a:fld>
+            <a:endParaRPr lang="hr-HR"/>
+          </a:p>
+        </p:txBody>
+      </p:sp>
+    </p:spTree>
+    <p:extLst>
+      <p:ext uri="{BB962C8B-B14F-4D97-AF65-F5344CB8AC3E}">
+        <p14:creationId xmlns:p14="http://schemas.microsoft.com/office/powerpoint/2010/main" val="3083818893"/>
+      </p:ext>
+    </p:extLst>
+  </p:cSld>
+  <p:clrMapOvr>
+    <a:masterClrMapping/>
+  </p:clrMapOvr>
+</p:notes>
+</file>
+
+<file path=ppt/notesSlides/notesSlide5.xml><?xml version="1.0" encoding="utf-8"?>
+<p:notes xmlns:a="http://schemas.openxmlformats.org/drawingml/2006/main" xmlns:r="http://schemas.openxmlformats.org/officeDocument/2006/relationships" xmlns:p="http://schemas.openxmlformats.org/presentationml/2006/main">
+  <p:cSld>
+    <p:spTree>
+      <p:nvGrpSpPr>
+        <p:cNvPr id="1" name=""/>
+        <p:cNvGrpSpPr/>
+        <p:nvPr/>
+      </p:nvGrpSpPr>
+      <p:grpSpPr>
+        <a:xfrm>
+          <a:off x="0" y="0"/>
+          <a:ext cx="0" cy="0"/>
+          <a:chOff x="0" y="0"/>
+          <a:chExt cx="0" cy="0"/>
+        </a:xfrm>
+      </p:grpSpPr>
+      <p:sp>
+        <p:nvSpPr>
+          <p:cNvPr id="2" name="Slide Image Placeholder 1"/>
+          <p:cNvSpPr>
+            <a:spLocks noGrp="1" noRot="1" noChangeAspect="1"/>
+          </p:cNvSpPr>
+          <p:nvPr>
+            <p:ph type="sldImg"/>
+          </p:nvPr>
+        </p:nvSpPr>
+        <p:spPr/>
+      </p:sp>
+      <p:sp>
+        <p:nvSpPr>
+          <p:cNvPr id="3" name="Notes Placeholder 2"/>
+          <p:cNvSpPr>
+            <a:spLocks noGrp="1"/>
+          </p:cNvSpPr>
+          <p:nvPr>
+            <p:ph type="body" idx="1"/>
+          </p:nvPr>
+        </p:nvSpPr>
+        <p:spPr/>
+        <p:txBody>
+          <a:bodyPr/>
+          <a:lstStyle/>
+          <a:p>
+            <a:endParaRPr lang="en-US" dirty="0" smtClean="0">
+              <a:solidFill>
+                <a:schemeClr val="bg1">
+                  <a:lumMod val="50000"/>
+                </a:schemeClr>
+              </a:solidFill>
+            </a:endParaRPr>
+          </a:p>
+          <a:p>
+            <a:endParaRPr lang="hr-HR" dirty="0"/>
+          </a:p>
+        </p:txBody>
+      </p:sp>
+      <p:sp>
+        <p:nvSpPr>
+          <p:cNvPr id="4" name="Slide Number Placeholder 3"/>
+          <p:cNvSpPr>
+            <a:spLocks noGrp="1"/>
+          </p:cNvSpPr>
+          <p:nvPr>
+            <p:ph type="sldNum" sz="quarter" idx="10"/>
+          </p:nvPr>
+        </p:nvSpPr>
+        <p:spPr/>
+        <p:txBody>
+          <a:bodyPr/>
+          <a:lstStyle/>
+          <a:p>
+            <a:fld id="{1DA1A908-C954-476B-8322-3857564468F1}" type="slidenum">
+              <a:rPr lang="hr-HR" smtClean="0"/>
+              <a:t>9</a:t>
+            </a:fld>
+            <a:endParaRPr lang="hr-HR"/>
+          </a:p>
+        </p:txBody>
+      </p:sp>
+    </p:spTree>
+    <p:extLst>
+      <p:ext uri="{BB962C8B-B14F-4D97-AF65-F5344CB8AC3E}">
+        <p14:creationId xmlns:p14="http://schemas.microsoft.com/office/powerpoint/2010/main" val="3083818893"/>
       </p:ext>
     </p:extLst>
   </p:cSld>
@@ -5028,17 +5494,17 @@
         <p:spPr/>
         <p:txBody>
           <a:bodyPr>
-            <a:normAutofit/>
+            <a:normAutofit fontScale="90000"/>
           </a:bodyPr>
           <a:lstStyle/>
           <a:p>
             <a:r>
-              <a:rPr lang="en-US" sz="6000" dirty="0" smtClean="0"/>
-              <a:t>Re</a:t>
-            </a:r>
-            <a:r>
-              <a:rPr lang="sr-Latn-RS" sz="6000" dirty="0" smtClean="0"/>
-              <a:t>šenje</a:t>
+              <a:rPr lang="en-US" sz="6000" dirty="0" err="1" smtClean="0"/>
+              <a:t>Kori</a:t>
+            </a:r>
+            <a:r>
+              <a:rPr lang="hr-HR" sz="6000" dirty="0" smtClean="0"/>
+              <a:t>šćene tehnologije</a:t>
             </a:r>
             <a:endParaRPr lang="en-US" sz="6000" dirty="0"/>
           </a:p>
@@ -5078,17 +5544,51 @@
           </a:p>
           <a:p>
             <a:r>
-              <a:rPr lang="hr-HR" dirty="0" smtClean="0">
+              <a:rPr lang="en-US" dirty="0" smtClean="0">
                 <a:solidFill>
                   <a:schemeClr val="bg1">
                     <a:lumMod val="50000"/>
                   </a:schemeClr>
                 </a:solidFill>
               </a:rPr>
-              <a:t>Text</a:t>
-            </a:r>
-          </a:p>
-          <a:p>
+              <a:t>JBOSS</a:t>
+            </a:r>
+          </a:p>
+          <a:p>
+            <a:r>
+              <a:rPr lang="en-US" dirty="0" smtClean="0">
+                <a:solidFill>
+                  <a:schemeClr val="bg1">
+                    <a:lumMod val="50000"/>
+                  </a:schemeClr>
+                </a:solidFill>
+              </a:rPr>
+              <a:t>JACKRABBIT</a:t>
+            </a:r>
+          </a:p>
+          <a:p>
+            <a:r>
+              <a:rPr lang="en-US" dirty="0" smtClean="0">
+                <a:solidFill>
+                  <a:schemeClr val="bg1">
+                    <a:lumMod val="50000"/>
+                  </a:schemeClr>
+                </a:solidFill>
+              </a:rPr>
+              <a:t>RESTEASY</a:t>
+            </a:r>
+          </a:p>
+          <a:p>
+            <a:r>
+              <a:rPr lang="en-US" dirty="0" smtClean="0">
+                <a:solidFill>
+                  <a:schemeClr val="bg1">
+                    <a:lumMod val="50000"/>
+                  </a:schemeClr>
+                </a:solidFill>
+              </a:rPr>
+              <a:t>JSF/PRIMEFACES</a:t>
+            </a:r>
             <a:endParaRPr lang="hr-HR" dirty="0" smtClean="0">
               <a:solidFill>
                 <a:schemeClr val="bg1">
@@ -5096,6 +5596,18 @@
                 </a:schemeClr>
               </a:solidFill>
             </a:endParaRPr>
+          </a:p>
+          <a:p>
+            <a:r>
+              <a:rPr lang="hr-HR" dirty="0" smtClean="0">
+                <a:solidFill>
+                  <a:schemeClr val="bg1">
+                    <a:lumMod val="50000"/>
+                  </a:schemeClr>
+                </a:solidFill>
+              </a:rPr>
+              <a:t>FREEMARKER</a:t>
+            </a:r>
           </a:p>
           <a:p>
             <a:endParaRPr lang="hr-HR" dirty="0">
@@ -5240,6 +5752,10 @@
           </a:bodyPr>
           <a:lstStyle/>
           <a:p>
+            <a:r>
+              <a:rPr lang="hr-HR" sz="6000" dirty="0" smtClean="0"/>
+              <a:t>JBoss</a:t>
+            </a:r>
             <a:endParaRPr lang="en-US" sz="6000" dirty="0"/>
           </a:p>
         </p:txBody>
@@ -5259,6 +5775,9 @@
           <a:bodyPr/>
           <a:lstStyle/>
           <a:p>
+            <a:pPr marL="0" indent="0">
+              <a:buNone/>
+            </a:pPr>
             <a:endParaRPr lang="hr-HR" dirty="0" smtClean="0">
               <a:solidFill>
                 <a:schemeClr val="bg1">
@@ -5268,6 +5787,109 @@
             </a:endParaRPr>
           </a:p>
           <a:p>
+            <a:r>
+              <a:rPr lang="hr-HR" dirty="0" smtClean="0">
+                <a:solidFill>
+                  <a:schemeClr val="bg1">
+                    <a:lumMod val="50000"/>
+                  </a:schemeClr>
+                </a:solidFill>
+              </a:rPr>
+              <a:t>Aplikacioni </a:t>
+            </a:r>
+            <a:r>
+              <a:rPr lang="hr-HR" dirty="0" smtClean="0">
+                <a:solidFill>
+                  <a:schemeClr val="bg1">
+                    <a:lumMod val="50000"/>
+                  </a:schemeClr>
+                </a:solidFill>
+              </a:rPr>
+              <a:t>server na J2EE </a:t>
+            </a:r>
+            <a:r>
+              <a:rPr lang="hr-HR" dirty="0" smtClean="0">
+                <a:solidFill>
+                  <a:schemeClr val="bg1">
+                    <a:lumMod val="50000"/>
+                  </a:schemeClr>
+                </a:solidFill>
+              </a:rPr>
+              <a:t>platformi</a:t>
+            </a:r>
+            <a:endParaRPr lang="en-US" dirty="0" smtClean="0">
+              <a:solidFill>
+                <a:schemeClr val="bg1">
+                  <a:lumMod val="50000"/>
+                </a:schemeClr>
+              </a:solidFill>
+            </a:endParaRPr>
+          </a:p>
+          <a:p>
+            <a:r>
+              <a:rPr lang="hr-HR" dirty="0" smtClean="0">
+                <a:solidFill>
+                  <a:schemeClr val="bg1">
+                    <a:lumMod val="50000"/>
+                  </a:schemeClr>
+                </a:solidFill>
+              </a:rPr>
+              <a:t>Besplatan </a:t>
+            </a:r>
+            <a:r>
+              <a:rPr lang="hr-HR" dirty="0" smtClean="0">
+                <a:solidFill>
+                  <a:schemeClr val="bg1">
+                    <a:lumMod val="50000"/>
+                  </a:schemeClr>
+                </a:solidFill>
+              </a:rPr>
+              <a:t>i open source softver</a:t>
+            </a:r>
+          </a:p>
+          <a:p>
+            <a:r>
+              <a:rPr lang="hr-HR" dirty="0" smtClean="0">
+                <a:solidFill>
+                  <a:schemeClr val="bg1">
+                    <a:lumMod val="50000"/>
+                  </a:schemeClr>
+                </a:solidFill>
+              </a:rPr>
+              <a:t>Napisan </a:t>
+            </a:r>
+            <a:r>
+              <a:rPr lang="en-US" dirty="0" smtClean="0">
+                <a:solidFill>
+                  <a:schemeClr val="bg1">
+                    <a:lumMod val="50000"/>
+                  </a:schemeClr>
+                </a:solidFill>
+              </a:rPr>
+              <a:t>u </a:t>
+            </a:r>
+            <a:r>
+              <a:rPr lang="hr-HR" dirty="0" smtClean="0">
+                <a:solidFill>
+                  <a:schemeClr val="bg1">
+                    <a:lumMod val="50000"/>
+                  </a:schemeClr>
+                </a:solidFill>
+              </a:rPr>
+              <a:t>Javi </a:t>
+            </a:r>
+            <a:r>
+              <a:rPr lang="hr-HR" dirty="0" smtClean="0">
+                <a:solidFill>
+                  <a:schemeClr val="bg1">
+                    <a:lumMod val="50000"/>
+                  </a:schemeClr>
+                </a:solidFill>
+              </a:rPr>
+              <a:t>(cross-platform)</a:t>
+            </a:r>
+          </a:p>
+          <a:p>
             <a:endParaRPr lang="hr-HR" dirty="0" smtClean="0">
               <a:solidFill>
                 <a:schemeClr val="bg1">
@@ -5277,16 +5899,37 @@
             </a:endParaRPr>
           </a:p>
           <a:p>
-            <a:r>
-              <a:rPr lang="hr-HR" dirty="0" smtClean="0">
-                <a:solidFill>
-                  <a:schemeClr val="bg1">
-                    <a:lumMod val="50000"/>
-                  </a:schemeClr>
-                </a:solidFill>
+            <a:endParaRPr lang="hr-HR" dirty="0" smtClean="0">
+              <a:solidFill>
+                <a:schemeClr val="bg1">
+                  <a:lumMod val="50000"/>
+                </a:schemeClr>
+              </a:solidFill>
+            </a:endParaRPr>
+          </a:p>
+          <a:p>
+            <a:endParaRPr lang="hr-HR" dirty="0" smtClean="0">
+              <a:solidFill>
+                <a:schemeClr val="bg1">
+                  <a:lumMod val="50000"/>
+                </a:schemeClr>
+              </a:solidFill>
+            </a:endParaRPr>
+          </a:p>
+          <a:p>
+            <a:r>
+              <a:rPr lang="hr-HR" dirty="0">
+                <a:hlinkClick r:id="rId3"/>
               </a:rPr>
-              <a:t>Text</a:t>
-            </a:r>
+              <a:t>http://www.jboss.org</a:t>
+            </a:r>
+            <a:endParaRPr lang="hr-HR" dirty="0" smtClean="0">
+              <a:solidFill>
+                <a:schemeClr val="bg1">
+                  <a:lumMod val="50000"/>
+                </a:schemeClr>
+              </a:solidFill>
+            </a:endParaRPr>
           </a:p>
           <a:p>
             <a:endParaRPr lang="hr-HR" dirty="0" smtClean="0">
@@ -5440,6 +6083,18 @@
           </a:bodyPr>
           <a:lstStyle/>
           <a:p>
+            <a:r>
+              <a:rPr lang="hr-HR" sz="6000" dirty="0" smtClean="0"/>
+              <a:t>Jack</a:t>
+            </a:r>
+            <a:r>
+              <a:rPr lang="en-US" sz="6000" dirty="0" smtClean="0"/>
+              <a:t>R</a:t>
+            </a:r>
+            <a:r>
+              <a:rPr lang="hr-HR" sz="6000" dirty="0" smtClean="0"/>
+              <a:t>abbit</a:t>
+            </a:r>
             <a:endParaRPr lang="en-US" sz="6000" dirty="0"/>
           </a:p>
         </p:txBody>
@@ -5456,9 +6111,112 @@
         </p:nvSpPr>
         <p:spPr/>
         <p:txBody>
-          <a:bodyPr/>
-          <a:lstStyle/>
-          <a:p>
+          <a:bodyPr>
+            <a:normAutofit/>
+          </a:bodyPr>
+          <a:lstStyle/>
+          <a:p>
+            <a:endParaRPr lang="hr-HR" dirty="0" smtClean="0"/>
+          </a:p>
+          <a:p>
+            <a:r>
+              <a:rPr lang="hr-HR" dirty="0" smtClean="0">
+                <a:solidFill>
+                  <a:schemeClr val="bg1">
+                    <a:lumMod val="50000"/>
+                  </a:schemeClr>
+                </a:solidFill>
+              </a:rPr>
+              <a:t>Open source content repositorijum za Java platformu (</a:t>
+            </a:r>
+            <a:r>
+              <a:rPr lang="hr-HR" dirty="0" smtClean="0">
+                <a:solidFill>
+                  <a:schemeClr val="bg1">
+                    <a:lumMod val="50000"/>
+                  </a:schemeClr>
+                </a:solidFill>
+              </a:rPr>
+              <a:t>JCR)</a:t>
+            </a:r>
+            <a:endParaRPr lang="en-US" dirty="0" smtClean="0">
+              <a:solidFill>
+                <a:schemeClr val="bg1">
+                  <a:lumMod val="50000"/>
+                </a:schemeClr>
+              </a:solidFill>
+            </a:endParaRPr>
+          </a:p>
+          <a:p>
+            <a:r>
+              <a:rPr lang="hr-HR" dirty="0" smtClean="0">
+                <a:solidFill>
+                  <a:schemeClr val="bg1">
+                    <a:lumMod val="50000"/>
+                  </a:schemeClr>
+                </a:solidFill>
+              </a:rPr>
+              <a:t>Implementira </a:t>
+            </a:r>
+            <a:r>
+              <a:rPr lang="en-US" dirty="0" smtClean="0">
+                <a:solidFill>
+                  <a:schemeClr val="bg1">
+                    <a:lumMod val="50000"/>
+                  </a:schemeClr>
+                </a:solidFill>
+              </a:rPr>
+              <a:t>JCR</a:t>
+            </a:r>
+            <a:r>
+              <a:rPr lang="hr-HR" dirty="0" smtClean="0">
+                <a:solidFill>
+                  <a:schemeClr val="bg1">
+                    <a:lumMod val="50000"/>
+                  </a:schemeClr>
+                </a:solidFill>
+              </a:rPr>
+              <a:t> 2.0 </a:t>
+            </a:r>
+            <a:r>
+              <a:rPr lang="hr-HR" dirty="0" smtClean="0">
+                <a:solidFill>
+                  <a:schemeClr val="bg1">
+                    <a:lumMod val="50000"/>
+                  </a:schemeClr>
+                </a:solidFill>
+              </a:rPr>
+              <a:t>specifikaciju</a:t>
+            </a:r>
+            <a:endParaRPr lang="en-US" dirty="0" smtClean="0">
+              <a:solidFill>
+                <a:schemeClr val="bg1">
+                  <a:lumMod val="50000"/>
+                </a:schemeClr>
+              </a:solidFill>
+            </a:endParaRPr>
+          </a:p>
+          <a:p>
+            <a:r>
+              <a:rPr lang="hr-HR" dirty="0">
+                <a:solidFill>
+                  <a:schemeClr val="bg1">
+                    <a:lumMod val="50000"/>
+                  </a:schemeClr>
+                </a:solidFill>
+              </a:rPr>
+              <a:t>Hijerarhijske </a:t>
+            </a:r>
+            <a:r>
+              <a:rPr lang="hr-HR" dirty="0" smtClean="0">
+                <a:solidFill>
+                  <a:schemeClr val="bg1">
+                    <a:lumMod val="50000"/>
+                  </a:schemeClr>
+                </a:solidFill>
+              </a:rPr>
+              <a:t>strukture</a:t>
+            </a:r>
             <a:endParaRPr lang="hr-HR" dirty="0" smtClean="0">
               <a:solidFill>
                 <a:schemeClr val="bg1">
@@ -5468,36 +6226,79 @@
             </a:endParaRPr>
           </a:p>
           <a:p>
-            <a:endParaRPr lang="hr-HR" dirty="0" smtClean="0">
-              <a:solidFill>
-                <a:schemeClr val="bg1">
-                  <a:lumMod val="50000"/>
-                </a:schemeClr>
-              </a:solidFill>
-            </a:endParaRPr>
-          </a:p>
-          <a:p>
-            <a:r>
-              <a:rPr lang="hr-HR" dirty="0" smtClean="0">
+            <a:r>
+              <a:rPr lang="en-US" dirty="0" smtClean="0">
                 <a:solidFill>
                   <a:schemeClr val="bg1">
                     <a:lumMod val="50000"/>
                   </a:schemeClr>
                 </a:solidFill>
               </a:rPr>
-              <a:t>Text</a:t>
-            </a:r>
-          </a:p>
-          <a:p>
-            <a:endParaRPr lang="hr-HR" dirty="0" smtClean="0">
-              <a:solidFill>
-                <a:schemeClr val="bg1">
-                  <a:lumMod val="50000"/>
-                </a:schemeClr>
-              </a:solidFill>
-            </a:endParaRPr>
-          </a:p>
-          <a:p>
+              <a:t>JCR </a:t>
+            </a:r>
+            <a:r>
+              <a:rPr lang="hr-HR" dirty="0" smtClean="0">
+                <a:solidFill>
+                  <a:schemeClr val="bg1">
+                    <a:lumMod val="50000"/>
+                  </a:schemeClr>
+                </a:solidFill>
+              </a:rPr>
+              <a:t>definiše </a:t>
+            </a:r>
+            <a:r>
+              <a:rPr lang="en-US" dirty="0" smtClean="0">
+                <a:solidFill>
+                  <a:schemeClr val="bg1">
+                    <a:lumMod val="50000"/>
+                  </a:schemeClr>
+                </a:solidFill>
+              </a:rPr>
+              <a:t>API </a:t>
+            </a:r>
+            <a:r>
+              <a:rPr lang="hr-HR" dirty="0" smtClean="0">
+                <a:solidFill>
+                  <a:schemeClr val="bg1">
+                    <a:lumMod val="50000"/>
+                  </a:schemeClr>
+                </a:solidFill>
+              </a:rPr>
+              <a:t>za aplikacije</a:t>
+            </a:r>
+          </a:p>
+          <a:p>
+            <a:pPr marL="0" indent="0">
+              <a:buNone/>
+            </a:pPr>
+            <a:r>
+              <a:rPr lang="hr-HR" dirty="0" smtClean="0"/>
+              <a:t>	</a:t>
+            </a:r>
+            <a:endParaRPr lang="hr-HR" dirty="0"/>
+          </a:p>
+          <a:p>
+            <a:pPr marL="0" indent="0">
+              <a:buNone/>
+            </a:pPr>
+            <a:r>
+              <a:rPr lang="hr-HR" dirty="0" smtClean="0">
+                <a:solidFill>
+                  <a:schemeClr val="bg1">
+                    <a:lumMod val="50000"/>
+                  </a:schemeClr>
+                </a:solidFill>
+              </a:rPr>
+              <a:t> </a:t>
+            </a:r>
+          </a:p>
+          <a:p>
+            <a:r>
+              <a:rPr lang="hr-HR" dirty="0">
+                <a:hlinkClick r:id="rId2"/>
+              </a:rPr>
+              <a:t>http://jackrabbit.apache.org/</a:t>
+            </a:r>
             <a:endParaRPr lang="hr-HR" dirty="0">
               <a:solidFill>
                 <a:schemeClr val="bg1">
@@ -5586,6 +6387,36 @@
           </a:p>
         </p:txBody>
       </p:sp>
+      <p:pic>
+        <p:nvPicPr>
+          <p:cNvPr id="7" name="Picture 6"/>
+          <p:cNvPicPr>
+            <a:picLocks noChangeAspect="1"/>
+          </p:cNvPicPr>
+          <p:nvPr/>
+        </p:nvPicPr>
+        <p:blipFill>
+          <a:blip r:embed="rId3">
+            <a:extLst>
+              <a:ext uri="{28A0092B-C50C-407E-A947-70E740481C1C}">
+                <a14:useLocalDpi xmlns:a14="http://schemas.microsoft.com/office/drawing/2010/main" val="0"/>
+              </a:ext>
+            </a:extLst>
+          </a:blip>
+          <a:stretch>
+            <a:fillRect/>
+          </a:stretch>
+        </p:blipFill>
+        <p:spPr>
+          <a:xfrm>
+            <a:off x="6804248" y="3789040"/>
+            <a:ext cx="2000250" cy="2466975"/>
+          </a:xfrm>
+          <a:prstGeom prst="rect">
+            <a:avLst/>
+          </a:prstGeom>
+        </p:spPr>
+      </p:pic>
     </p:spTree>
     <p:extLst>
       <p:ext uri="{BB962C8B-B14F-4D97-AF65-F5344CB8AC3E}">
@@ -5640,6 +6471,10 @@
           </a:bodyPr>
           <a:lstStyle/>
           <a:p>
+            <a:r>
+              <a:rPr lang="hr-HR" sz="6000" dirty="0" smtClean="0"/>
+              <a:t>RESTEasy</a:t>
+            </a:r>
             <a:endParaRPr lang="en-US" sz="6000" dirty="0"/>
           </a:p>
         </p:txBody>
@@ -5656,9 +6491,14 @@
         </p:nvSpPr>
         <p:spPr/>
         <p:txBody>
-          <a:bodyPr/>
-          <a:lstStyle/>
-          <a:p>
+          <a:bodyPr>
+            <a:normAutofit lnSpcReduction="10000"/>
+          </a:bodyPr>
+          <a:lstStyle/>
+          <a:p>
+            <a:pPr marL="0" indent="0">
+              <a:buNone/>
+            </a:pPr>
             <a:endParaRPr lang="hr-HR" dirty="0" smtClean="0">
               <a:solidFill>
                 <a:schemeClr val="bg1">
@@ -5668,6 +6508,151 @@
             </a:endParaRPr>
           </a:p>
           <a:p>
+            <a:r>
+              <a:rPr lang="hr-HR" dirty="0" smtClean="0">
+                <a:solidFill>
+                  <a:schemeClr val="bg1">
+                    <a:lumMod val="50000"/>
+                  </a:schemeClr>
+                </a:solidFill>
+              </a:rPr>
+              <a:t>Framework koji omogućava kreiranje </a:t>
+            </a:r>
+            <a:r>
+              <a:rPr lang="en-US" dirty="0" err="1" smtClean="0">
+                <a:solidFill>
+                  <a:schemeClr val="bg1">
+                    <a:lumMod val="50000"/>
+                  </a:schemeClr>
+                </a:solidFill>
+              </a:rPr>
+              <a:t>RESTful</a:t>
+            </a:r>
+            <a:r>
+              <a:rPr lang="en-US" dirty="0" smtClean="0">
+                <a:solidFill>
+                  <a:schemeClr val="bg1">
+                    <a:lumMod val="50000"/>
+                  </a:schemeClr>
+                </a:solidFill>
+              </a:rPr>
+              <a:t> </a:t>
+            </a:r>
+            <a:r>
+              <a:rPr lang="en-US" dirty="0">
+                <a:solidFill>
+                  <a:schemeClr val="bg1">
+                    <a:lumMod val="50000"/>
+                  </a:schemeClr>
+                </a:solidFill>
+              </a:rPr>
+              <a:t>Web </a:t>
+            </a:r>
+            <a:r>
+              <a:rPr lang="en-US" dirty="0" err="1" smtClean="0">
+                <a:solidFill>
+                  <a:schemeClr val="bg1">
+                    <a:lumMod val="50000"/>
+                  </a:schemeClr>
+                </a:solidFill>
+              </a:rPr>
+              <a:t>Servi</a:t>
+            </a:r>
+            <a:r>
+              <a:rPr lang="hr-HR" dirty="0" smtClean="0">
+                <a:solidFill>
+                  <a:schemeClr val="bg1">
+                    <a:lumMod val="50000"/>
+                  </a:schemeClr>
+                </a:solidFill>
+              </a:rPr>
+              <a:t>sa</a:t>
+            </a:r>
+            <a:r>
+              <a:rPr lang="en-US" dirty="0" smtClean="0">
+                <a:solidFill>
+                  <a:schemeClr val="bg1">
+                    <a:lumMod val="50000"/>
+                  </a:schemeClr>
+                </a:solidFill>
+              </a:rPr>
+              <a:t> </a:t>
+            </a:r>
+            <a:r>
+              <a:rPr lang="en-US" dirty="0">
+                <a:solidFill>
+                  <a:schemeClr val="bg1">
+                    <a:lumMod val="50000"/>
+                  </a:schemeClr>
+                </a:solidFill>
+              </a:rPr>
+              <a:t>and </a:t>
+            </a:r>
+            <a:r>
+              <a:rPr lang="en-US" dirty="0" err="1">
+                <a:solidFill>
+                  <a:schemeClr val="bg1">
+                    <a:lumMod val="50000"/>
+                  </a:schemeClr>
+                </a:solidFill>
+              </a:rPr>
+              <a:t>RESTful</a:t>
+            </a:r>
+            <a:r>
+              <a:rPr lang="en-US" dirty="0">
+                <a:solidFill>
+                  <a:schemeClr val="bg1">
+                    <a:lumMod val="50000"/>
+                  </a:schemeClr>
+                </a:solidFill>
+              </a:rPr>
+              <a:t> Java </a:t>
+            </a:r>
+            <a:r>
+              <a:rPr lang="hr-HR" dirty="0" smtClean="0">
+                <a:solidFill>
+                  <a:schemeClr val="bg1">
+                    <a:lumMod val="50000"/>
+                  </a:schemeClr>
+                </a:solidFill>
+              </a:rPr>
+              <a:t>aplikacija</a:t>
+            </a:r>
+          </a:p>
+          <a:p>
+            <a:r>
+              <a:rPr lang="hr-HR" dirty="0" smtClean="0">
+                <a:solidFill>
+                  <a:schemeClr val="bg1">
+                    <a:lumMod val="50000"/>
+                  </a:schemeClr>
+                </a:solidFill>
+              </a:rPr>
+              <a:t>Portabilna implementacija JAX-RS specifikacije</a:t>
+            </a:r>
+          </a:p>
+          <a:p>
+            <a:r>
+              <a:rPr lang="hr-HR" dirty="0">
+                <a:solidFill>
+                  <a:schemeClr val="bg1">
+                    <a:lumMod val="50000"/>
+                  </a:schemeClr>
+                </a:solidFill>
+              </a:rPr>
+              <a:t>Ima API koji se koristi za kreiranje RESTful Web Servisa preko HTTP protokola</a:t>
+            </a:r>
+          </a:p>
+          <a:p>
+            <a:endParaRPr lang="hr-HR" dirty="0">
+              <a:solidFill>
+                <a:schemeClr val="bg1">
+                  <a:lumMod val="50000"/>
+                </a:schemeClr>
+              </a:solidFill>
+            </a:endParaRPr>
+          </a:p>
+          <a:p>
             <a:endParaRPr lang="hr-HR" dirty="0" smtClean="0">
               <a:solidFill>
                 <a:schemeClr val="bg1">
@@ -5677,27 +6662,6 @@
             </a:endParaRPr>
           </a:p>
           <a:p>
-            <a:r>
-              <a:rPr lang="hr-HR" dirty="0" smtClean="0">
-                <a:solidFill>
-                  <a:schemeClr val="bg1">
-                    <a:lumMod val="50000"/>
-                  </a:schemeClr>
-                </a:solidFill>
-              </a:rPr>
-              <a:t>Text</a:t>
-            </a:r>
-          </a:p>
-          <a:p>
-            <a:endParaRPr lang="hr-HR" dirty="0" smtClean="0">
-              <a:solidFill>
-                <a:schemeClr val="bg1">
-                  <a:lumMod val="50000"/>
-                </a:schemeClr>
-              </a:solidFill>
-            </a:endParaRPr>
-          </a:p>
-          <a:p>
             <a:endParaRPr lang="hr-HR" dirty="0">
               <a:solidFill>
                 <a:schemeClr val="bg1">
@@ -5707,6 +6671,12 @@
             </a:endParaRPr>
           </a:p>
           <a:p>
+            <a:r>
+              <a:rPr lang="hr-HR" dirty="0">
+                <a:hlinkClick r:id="rId3"/>
+              </a:rPr>
+              <a:t>http://www.jboss.org/resteasy</a:t>
+            </a:r>
             <a:endParaRPr lang="en-US" dirty="0">
               <a:solidFill>
                 <a:schemeClr val="bg1">
@@ -5840,7 +6810,15 @@
           </a:bodyPr>
           <a:lstStyle/>
           <a:p>
-            <a:endParaRPr lang="en-US" sz="6000" dirty="0"/>
+            <a:r>
+              <a:rPr lang="hr-HR" sz="5400" dirty="0" smtClean="0"/>
+              <a:t>JSF/P</a:t>
+            </a:r>
+            <a:r>
+              <a:rPr lang="en-US" sz="5400" dirty="0" err="1" smtClean="0"/>
+              <a:t>rimeFaces</a:t>
+            </a:r>
+            <a:endParaRPr lang="en-US" sz="5400" dirty="0"/>
           </a:p>
         </p:txBody>
       </p:sp>
@@ -5856,9 +6834,14 @@
         </p:nvSpPr>
         <p:spPr/>
         <p:txBody>
-          <a:bodyPr/>
-          <a:lstStyle/>
-          <a:p>
+          <a:bodyPr>
+            <a:normAutofit fontScale="92500" lnSpcReduction="10000"/>
+          </a:bodyPr>
+          <a:lstStyle/>
+          <a:p>
+            <a:pPr marL="0" indent="0">
+              <a:buNone/>
+            </a:pPr>
             <a:endParaRPr lang="hr-HR" dirty="0" smtClean="0">
               <a:solidFill>
                 <a:schemeClr val="bg1">
@@ -5868,6 +6851,145 @@
             </a:endParaRPr>
           </a:p>
           <a:p>
+            <a:r>
+              <a:rPr lang="en-US" dirty="0" err="1" smtClean="0">
+                <a:solidFill>
+                  <a:schemeClr val="bg1">
+                    <a:lumMod val="50000"/>
+                  </a:schemeClr>
+                </a:solidFill>
+              </a:rPr>
+              <a:t>JavaServer</a:t>
+            </a:r>
+            <a:r>
+              <a:rPr lang="en-US" dirty="0" smtClean="0">
+                <a:solidFill>
+                  <a:schemeClr val="bg1">
+                    <a:lumMod val="50000"/>
+                  </a:schemeClr>
+                </a:solidFill>
+              </a:rPr>
+              <a:t> Faces</a:t>
+            </a:r>
+            <a:r>
+              <a:rPr lang="en-US" dirty="0">
+                <a:solidFill>
+                  <a:schemeClr val="bg1">
+                    <a:lumMod val="50000"/>
+                  </a:schemeClr>
+                </a:solidFill>
+              </a:rPr>
+              <a:t> </a:t>
+            </a:r>
+            <a:r>
+              <a:rPr lang="hr-HR" dirty="0" smtClean="0">
+                <a:solidFill>
+                  <a:schemeClr val="bg1">
+                    <a:lumMod val="50000"/>
+                  </a:schemeClr>
+                </a:solidFill>
+              </a:rPr>
+              <a:t>je Java specifikacija za</a:t>
+            </a:r>
+            <a:r>
+              <a:rPr lang="en-US" dirty="0" smtClean="0">
+                <a:solidFill>
+                  <a:schemeClr val="bg1">
+                    <a:lumMod val="50000"/>
+                  </a:schemeClr>
+                </a:solidFill>
+              </a:rPr>
+              <a:t> </a:t>
+            </a:r>
+            <a:r>
+              <a:rPr lang="hr-HR" dirty="0" smtClean="0">
+                <a:solidFill>
+                  <a:schemeClr val="bg1">
+                    <a:lumMod val="50000"/>
+                  </a:schemeClr>
+                </a:solidFill>
+              </a:rPr>
+              <a:t>kreiranje komponenti</a:t>
+            </a:r>
+            <a:r>
+              <a:rPr lang="en-US" dirty="0">
+                <a:solidFill>
+                  <a:schemeClr val="bg1">
+                    <a:lumMod val="50000"/>
+                  </a:schemeClr>
+                </a:solidFill>
+              </a:rPr>
+              <a:t> </a:t>
+            </a:r>
+            <a:r>
+              <a:rPr lang="hr-HR" dirty="0">
+                <a:solidFill>
+                  <a:schemeClr val="bg1">
+                    <a:lumMod val="50000"/>
+                  </a:schemeClr>
+                </a:solidFill>
+              </a:rPr>
+              <a:t>W</a:t>
+            </a:r>
+            <a:r>
+              <a:rPr lang="hr-HR" dirty="0" smtClean="0">
+                <a:solidFill>
+                  <a:schemeClr val="bg1">
+                    <a:lumMod val="50000"/>
+                  </a:schemeClr>
+                </a:solidFill>
+              </a:rPr>
+              <a:t>eb aplikacija</a:t>
+            </a:r>
+          </a:p>
+          <a:p>
+            <a:r>
+              <a:rPr lang="hr-HR" dirty="0" smtClean="0">
+                <a:solidFill>
+                  <a:schemeClr val="bg1">
+                    <a:lumMod val="50000"/>
+                  </a:schemeClr>
+                </a:solidFill>
+              </a:rPr>
+              <a:t>Primefaces je open source biblioteka komponenti</a:t>
+            </a:r>
+          </a:p>
+          <a:p>
+            <a:r>
+              <a:rPr lang="hr-HR" dirty="0" smtClean="0">
+                <a:solidFill>
+                  <a:schemeClr val="bg1">
+                    <a:lumMod val="50000"/>
+                  </a:schemeClr>
+                </a:solidFill>
+              </a:rPr>
+              <a:t>Primefaces proširuje mogućnosti JSF-a i koristi</a:t>
+            </a:r>
+          </a:p>
+          <a:p>
+            <a:pPr marL="0" indent="0">
+              <a:buNone/>
+            </a:pPr>
+            <a:r>
+              <a:rPr lang="hr-HR" dirty="0" smtClean="0">
+                <a:solidFill>
+                  <a:schemeClr val="bg1">
+                    <a:lumMod val="50000"/>
+                  </a:schemeClr>
+                </a:solidFill>
+              </a:rPr>
+              <a:t>    </a:t>
+            </a:r>
+            <a:r>
+              <a:rPr lang="en-US" dirty="0" smtClean="0">
+                <a:solidFill>
+                  <a:schemeClr val="bg1">
+                    <a:lumMod val="50000"/>
+                  </a:schemeClr>
+                </a:solidFill>
+              </a:rPr>
+              <a:t>Ajax framework</a:t>
+            </a:r>
             <a:endParaRPr lang="hr-HR" dirty="0" smtClean="0">
               <a:solidFill>
                 <a:schemeClr val="bg1">
@@ -5877,18 +6999,9 @@
             </a:endParaRPr>
           </a:p>
           <a:p>
-            <a:r>
-              <a:rPr lang="hr-HR" dirty="0" smtClean="0">
-                <a:solidFill>
-                  <a:schemeClr val="bg1">
-                    <a:lumMod val="50000"/>
-                  </a:schemeClr>
-                </a:solidFill>
-              </a:rPr>
-              <a:t>Text</a:t>
-            </a:r>
-          </a:p>
-          <a:p>
+            <a:pPr marL="0" indent="0">
+              <a:buNone/>
+            </a:pPr>
             <a:endParaRPr lang="hr-HR" dirty="0" smtClean="0">
               <a:solidFill>
                 <a:schemeClr val="bg1">
@@ -5907,7 +7020,7 @@
             </a:endParaRPr>
           </a:p>
           <a:p>
-            <a:endParaRPr lang="en-US" dirty="0">
+            <a:endParaRPr lang="hr-HR" dirty="0" smtClean="0">
               <a:solidFill>
                 <a:schemeClr val="bg1">
                   <a:lumMod val="50000"/>
@@ -5915,6 +7028,21 @@
               </a:solidFill>
             </a:endParaRPr>
           </a:p>
+          <a:p>
+            <a:r>
+              <a:rPr lang="hr-HR" dirty="0">
+                <a:hlinkClick r:id="rId3"/>
+              </a:rPr>
+              <a:t>http://primefaces.org/</a:t>
+            </a:r>
+            <a:endParaRPr lang="hr-HR" dirty="0" smtClean="0">
+              <a:solidFill>
+                <a:schemeClr val="bg1">
+                  <a:lumMod val="50000"/>
+                </a:schemeClr>
+              </a:solidFill>
+            </a:endParaRPr>
+          </a:p>
         </p:txBody>
       </p:sp>
       <p:sp>
@@ -5989,7 +7117,298 @@
     </p:spTree>
     <p:extLst>
       <p:ext uri="{BB962C8B-B14F-4D97-AF65-F5344CB8AC3E}">
-        <p14:creationId xmlns:p14="http://schemas.microsoft.com/office/powerpoint/2010/main" val="3822824231"/>
+        <p14:creationId xmlns:p14="http://schemas.microsoft.com/office/powerpoint/2010/main" val="3513667585"/>
+      </p:ext>
+    </p:extLst>
+  </p:cSld>
+  <p:clrMapOvr>
+    <a:masterClrMapping/>
+  </p:clrMapOvr>
+  <p:timing>
+    <p:tnLst>
+      <p:par>
+        <p:cTn id="1" dur="indefinite" restart="never" nodeType="tmRoot"/>
+      </p:par>
+    </p:tnLst>
+  </p:timing>
+</p:sld>
+</file>
+
+<file path=ppt/slides/slide9.xml><?xml version="1.0" encoding="utf-8"?>
+<p:sld xmlns:a="http://schemas.openxmlformats.org/drawingml/2006/main" xmlns:r="http://schemas.openxmlformats.org/officeDocument/2006/relationships" xmlns:p="http://schemas.openxmlformats.org/presentationml/2006/main">
+  <p:cSld>
+    <p:spTree>
+      <p:nvGrpSpPr>
+        <p:cNvPr id="1" name=""/>
+        <p:cNvGrpSpPr/>
+        <p:nvPr/>
+      </p:nvGrpSpPr>
+      <p:grpSpPr>
+        <a:xfrm>
+          <a:off x="0" y="0"/>
+          <a:ext cx="0" cy="0"/>
+          <a:chOff x="0" y="0"/>
+          <a:chExt cx="0" cy="0"/>
+        </a:xfrm>
+      </p:grpSpPr>
+      <p:sp>
+        <p:nvSpPr>
+          <p:cNvPr id="2" name="Title 1"/>
+          <p:cNvSpPr>
+            <a:spLocks noGrp="1"/>
+          </p:cNvSpPr>
+          <p:nvPr>
+            <p:ph type="title"/>
+          </p:nvPr>
+        </p:nvSpPr>
+        <p:spPr/>
+        <p:txBody>
+          <a:bodyPr>
+            <a:normAutofit fontScale="90000"/>
+          </a:bodyPr>
+          <a:lstStyle/>
+          <a:p>
+            <a:r>
+              <a:rPr lang="en-US" sz="6000" dirty="0" err="1" smtClean="0"/>
+              <a:t>FreeMarker</a:t>
+            </a:r>
+            <a:r>
+              <a:rPr lang="hr-HR" sz="6000" dirty="0" smtClean="0"/>
+              <a:t/>
+            </a:r>
+            <a:br>
+              <a:rPr lang="hr-HR" sz="6000" dirty="0" smtClean="0"/>
+            </a:br>
+            <a:endParaRPr lang="en-US" sz="6000" dirty="0"/>
+          </a:p>
+        </p:txBody>
+      </p:sp>
+      <p:sp>
+        <p:nvSpPr>
+          <p:cNvPr id="3" name="Content Placeholder 2"/>
+          <p:cNvSpPr>
+            <a:spLocks noGrp="1"/>
+          </p:cNvSpPr>
+          <p:nvPr>
+            <p:ph idx="1"/>
+          </p:nvPr>
+        </p:nvSpPr>
+        <p:spPr/>
+        <p:txBody>
+          <a:bodyPr/>
+          <a:lstStyle/>
+          <a:p>
+            <a:pPr marL="0" indent="0">
+              <a:buNone/>
+            </a:pPr>
+            <a:endParaRPr lang="hr-HR" dirty="0" smtClean="0">
+              <a:solidFill>
+                <a:schemeClr val="bg1">
+                  <a:lumMod val="50000"/>
+                </a:schemeClr>
+              </a:solidFill>
+            </a:endParaRPr>
+          </a:p>
+          <a:p>
+            <a:r>
+              <a:rPr lang="hr-HR" dirty="0" smtClean="0">
+                <a:solidFill>
+                  <a:schemeClr val="bg1">
+                    <a:lumMod val="50000"/>
+                  </a:schemeClr>
+                </a:solidFill>
+              </a:rPr>
+              <a:t>Besplatan softver</a:t>
+            </a:r>
+          </a:p>
+          <a:p>
+            <a:r>
+              <a:rPr lang="hr-HR" dirty="0" smtClean="0">
+                <a:solidFill>
+                  <a:schemeClr val="bg1">
+                    <a:lumMod val="50000"/>
+                  </a:schemeClr>
+                </a:solidFill>
+              </a:rPr>
+              <a:t>Template Engine koji se fokusira na</a:t>
+            </a:r>
+            <a:r>
+              <a:rPr lang="en-US" dirty="0">
+                <a:solidFill>
+                  <a:schemeClr val="bg1">
+                    <a:lumMod val="50000"/>
+                  </a:schemeClr>
+                </a:solidFill>
+              </a:rPr>
+              <a:t> </a:t>
+            </a:r>
+            <a:r>
+              <a:rPr lang="hr-HR" dirty="0" smtClean="0">
+                <a:solidFill>
+                  <a:schemeClr val="bg1">
+                    <a:lumMod val="50000"/>
+                  </a:schemeClr>
+                </a:solidFill>
+              </a:rPr>
+              <a:t>MVC</a:t>
+            </a:r>
+            <a:r>
+              <a:rPr lang="en-US" dirty="0">
+                <a:solidFill>
+                  <a:schemeClr val="bg1">
+                    <a:lumMod val="50000"/>
+                  </a:schemeClr>
+                </a:solidFill>
+              </a:rPr>
+              <a:t> </a:t>
+            </a:r>
+            <a:r>
+              <a:rPr lang="hr-HR" dirty="0" smtClean="0">
+                <a:solidFill>
+                  <a:schemeClr val="bg1">
+                    <a:lumMod val="50000"/>
+                  </a:schemeClr>
+                </a:solidFill>
+              </a:rPr>
+              <a:t>arhitekturi</a:t>
+            </a:r>
+          </a:p>
+          <a:p>
+            <a:r>
+              <a:rPr lang="hr-HR" dirty="0" smtClean="0">
+                <a:solidFill>
+                  <a:schemeClr val="bg1">
+                    <a:lumMod val="50000"/>
+                  </a:schemeClr>
+                </a:solidFill>
+              </a:rPr>
+              <a:t>Ne zavisi od servlet arhitekture i HTTP protokola</a:t>
+            </a:r>
+            <a:endParaRPr lang="hr-HR" dirty="0">
+              <a:solidFill>
+                <a:schemeClr val="bg1">
+                  <a:lumMod val="50000"/>
+                </a:schemeClr>
+              </a:solidFill>
+            </a:endParaRPr>
+          </a:p>
+          <a:p>
+            <a:endParaRPr lang="hr-HR" dirty="0" smtClean="0">
+              <a:solidFill>
+                <a:schemeClr val="bg1">
+                  <a:lumMod val="50000"/>
+                </a:schemeClr>
+              </a:solidFill>
+            </a:endParaRPr>
+          </a:p>
+          <a:p>
+            <a:endParaRPr lang="hr-HR" dirty="0">
+              <a:solidFill>
+                <a:schemeClr val="bg1">
+                  <a:lumMod val="50000"/>
+                </a:schemeClr>
+              </a:solidFill>
+            </a:endParaRPr>
+          </a:p>
+          <a:p>
+            <a:endParaRPr lang="hr-HR" dirty="0" smtClean="0">
+              <a:solidFill>
+                <a:schemeClr val="bg1">
+                  <a:lumMod val="50000"/>
+                </a:schemeClr>
+              </a:solidFill>
+            </a:endParaRPr>
+          </a:p>
+          <a:p>
+            <a:r>
+              <a:rPr lang="hr-HR" dirty="0">
+                <a:hlinkClick r:id="rId3"/>
+              </a:rPr>
+              <a:t>http://freemarker.org/</a:t>
+            </a:r>
+            <a:endParaRPr lang="hr-HR" dirty="0" smtClean="0">
+              <a:solidFill>
+                <a:schemeClr val="bg1">
+                  <a:lumMod val="50000"/>
+                </a:schemeClr>
+              </a:solidFill>
+            </a:endParaRPr>
+          </a:p>
+        </p:txBody>
+      </p:sp>
+      <p:sp>
+        <p:nvSpPr>
+          <p:cNvPr id="4" name="Date Placeholder 3"/>
+          <p:cNvSpPr>
+            <a:spLocks noGrp="1"/>
+          </p:cNvSpPr>
+          <p:nvPr>
+            <p:ph type="dt" sz="half" idx="10"/>
+          </p:nvPr>
+        </p:nvSpPr>
+        <p:spPr/>
+        <p:txBody>
+          <a:bodyPr/>
+          <a:lstStyle/>
+          <a:p>
+            <a:r>
+              <a:rPr lang="hr-HR" dirty="0" smtClean="0"/>
+              <a:t>May 29th</a:t>
+            </a:r>
+            <a:endParaRPr lang="hr-HR" dirty="0"/>
+          </a:p>
+        </p:txBody>
+      </p:sp>
+      <p:sp>
+        <p:nvSpPr>
+          <p:cNvPr id="5" name="Footer Placeholder 4"/>
+          <p:cNvSpPr>
+            <a:spLocks noGrp="1"/>
+          </p:cNvSpPr>
+          <p:nvPr>
+            <p:ph type="ftr" sz="quarter" idx="11"/>
+          </p:nvPr>
+        </p:nvSpPr>
+        <p:spPr/>
+        <p:txBody>
+          <a:bodyPr/>
+          <a:lstStyle/>
+          <a:p>
+            <a:r>
+              <a:rPr lang="hr-HR" smtClean="0"/>
+              <a:t>www.infobip.com</a:t>
+            </a:r>
+            <a:endParaRPr lang="hr-HR" dirty="0"/>
+          </a:p>
+        </p:txBody>
+      </p:sp>
+      <p:sp>
+        <p:nvSpPr>
+          <p:cNvPr id="6" name="Slide Number Placeholder 5"/>
+          <p:cNvSpPr>
+            <a:spLocks noGrp="1"/>
+          </p:cNvSpPr>
+          <p:nvPr>
+            <p:ph type="sldNum" sz="quarter" idx="12"/>
+          </p:nvPr>
+        </p:nvSpPr>
+        <p:spPr/>
+        <p:txBody>
+          <a:bodyPr/>
+          <a:lstStyle/>
+          <a:p>
+            <a:fld id="{E5141CAA-7100-4004-9105-BC2A5AD755D1}" type="slidenum">
+              <a:rPr lang="hr-HR" smtClean="0"/>
+              <a:t>9</a:t>
+            </a:fld>
+            <a:endParaRPr lang="hr-HR"/>
+          </a:p>
+        </p:txBody>
+      </p:sp>
+    </p:spTree>
+    <p:extLst>
+      <p:ext uri="{BB962C8B-B14F-4D97-AF65-F5344CB8AC3E}">
+        <p14:creationId xmlns:p14="http://schemas.microsoft.com/office/powerpoint/2010/main" val="1907937165"/>
       </p:ext>
     </p:extLst>
   </p:cSld>
